--- a/Other/Diagrams.pptx
+++ b/Other/Diagrams.pptx
@@ -245,7 +245,7 @@
           <a:p>
             <a:fld id="{BE5BF484-C799-4337-96B7-A826A1511F6E}" type="datetimeFigureOut">
               <a:rPr lang="en-GB" smtClean="0"/>
-              <a:t>08/03/2019</a:t>
+              <a:t>03/04/2019</a:t>
             </a:fld>
             <a:endParaRPr lang="en-GB"/>
           </a:p>
@@ -415,7 +415,7 @@
           <a:p>
             <a:fld id="{BE5BF484-C799-4337-96B7-A826A1511F6E}" type="datetimeFigureOut">
               <a:rPr lang="en-GB" smtClean="0"/>
-              <a:t>08/03/2019</a:t>
+              <a:t>03/04/2019</a:t>
             </a:fld>
             <a:endParaRPr lang="en-GB"/>
           </a:p>
@@ -595,7 +595,7 @@
           <a:p>
             <a:fld id="{BE5BF484-C799-4337-96B7-A826A1511F6E}" type="datetimeFigureOut">
               <a:rPr lang="en-GB" smtClean="0"/>
-              <a:t>08/03/2019</a:t>
+              <a:t>03/04/2019</a:t>
             </a:fld>
             <a:endParaRPr lang="en-GB"/>
           </a:p>
@@ -765,7 +765,7 @@
           <a:p>
             <a:fld id="{BE5BF484-C799-4337-96B7-A826A1511F6E}" type="datetimeFigureOut">
               <a:rPr lang="en-GB" smtClean="0"/>
-              <a:t>08/03/2019</a:t>
+              <a:t>03/04/2019</a:t>
             </a:fld>
             <a:endParaRPr lang="en-GB"/>
           </a:p>
@@ -1009,7 +1009,7 @@
           <a:p>
             <a:fld id="{BE5BF484-C799-4337-96B7-A826A1511F6E}" type="datetimeFigureOut">
               <a:rPr lang="en-GB" smtClean="0"/>
-              <a:t>08/03/2019</a:t>
+              <a:t>03/04/2019</a:t>
             </a:fld>
             <a:endParaRPr lang="en-GB"/>
           </a:p>
@@ -1241,7 +1241,7 @@
           <a:p>
             <a:fld id="{BE5BF484-C799-4337-96B7-A826A1511F6E}" type="datetimeFigureOut">
               <a:rPr lang="en-GB" smtClean="0"/>
-              <a:t>08/03/2019</a:t>
+              <a:t>03/04/2019</a:t>
             </a:fld>
             <a:endParaRPr lang="en-GB"/>
           </a:p>
@@ -1608,7 +1608,7 @@
           <a:p>
             <a:fld id="{BE5BF484-C799-4337-96B7-A826A1511F6E}" type="datetimeFigureOut">
               <a:rPr lang="en-GB" smtClean="0"/>
-              <a:t>08/03/2019</a:t>
+              <a:t>03/04/2019</a:t>
             </a:fld>
             <a:endParaRPr lang="en-GB"/>
           </a:p>
@@ -1726,7 +1726,7 @@
           <a:p>
             <a:fld id="{BE5BF484-C799-4337-96B7-A826A1511F6E}" type="datetimeFigureOut">
               <a:rPr lang="en-GB" smtClean="0"/>
-              <a:t>08/03/2019</a:t>
+              <a:t>03/04/2019</a:t>
             </a:fld>
             <a:endParaRPr lang="en-GB"/>
           </a:p>
@@ -1821,7 +1821,7 @@
           <a:p>
             <a:fld id="{BE5BF484-C799-4337-96B7-A826A1511F6E}" type="datetimeFigureOut">
               <a:rPr lang="en-GB" smtClean="0"/>
-              <a:t>08/03/2019</a:t>
+              <a:t>03/04/2019</a:t>
             </a:fld>
             <a:endParaRPr lang="en-GB"/>
           </a:p>
@@ -2098,7 +2098,7 @@
           <a:p>
             <a:fld id="{BE5BF484-C799-4337-96B7-A826A1511F6E}" type="datetimeFigureOut">
               <a:rPr lang="en-GB" smtClean="0"/>
-              <a:t>08/03/2019</a:t>
+              <a:t>03/04/2019</a:t>
             </a:fld>
             <a:endParaRPr lang="en-GB"/>
           </a:p>
@@ -2355,7 +2355,7 @@
           <a:p>
             <a:fld id="{BE5BF484-C799-4337-96B7-A826A1511F6E}" type="datetimeFigureOut">
               <a:rPr lang="en-GB" smtClean="0"/>
-              <a:t>08/03/2019</a:t>
+              <a:t>03/04/2019</a:t>
             </a:fld>
             <a:endParaRPr lang="en-GB"/>
           </a:p>
@@ -2568,7 +2568,7 @@
           <a:p>
             <a:fld id="{BE5BF484-C799-4337-96B7-A826A1511F6E}" type="datetimeFigureOut">
               <a:rPr lang="en-GB" smtClean="0"/>
-              <a:t>08/03/2019</a:t>
+              <a:t>03/04/2019</a:t>
             </a:fld>
             <a:endParaRPr lang="en-GB"/>
           </a:p>
@@ -2987,8 +2987,8 @@
         </p:nvSpPr>
         <p:spPr>
           <a:xfrm>
-            <a:off x="3327134" y="1491428"/>
-            <a:ext cx="781749" cy="367261"/>
+            <a:off x="2205808" y="327617"/>
+            <a:ext cx="2066475" cy="511473"/>
           </a:xfrm>
           <a:prstGeom prst="rect">
             <a:avLst/>
@@ -3030,7 +3030,27 @@
                 <a:latin typeface="Arial" panose="020B0604020202020204" pitchFamily="34" charset="0"/>
                 <a:cs typeface="Arial" panose="020B0604020202020204" pitchFamily="34" charset="0"/>
               </a:rPr>
-              <a:t>Company</a:t>
+              <a:t>Stock Index, </a:t>
+            </a:r>
+          </a:p>
+          <a:p>
+            <a:pPr algn="ctr"/>
+            <a:r>
+              <a:rPr lang="en-GB" sz="900" dirty="0">
+                <a:latin typeface="Arial" panose="020B0604020202020204" pitchFamily="34" charset="0"/>
+                <a:cs typeface="Arial" panose="020B0604020202020204" pitchFamily="34" charset="0"/>
+              </a:rPr>
+              <a:t>Individual Company, or</a:t>
+            </a:r>
+          </a:p>
+          <a:p>
+            <a:pPr algn="ctr"/>
+            <a:r>
+              <a:rPr lang="en-GB" sz="900" dirty="0">
+                <a:latin typeface="Arial" panose="020B0604020202020204" pitchFamily="34" charset="0"/>
+                <a:cs typeface="Arial" panose="020B0604020202020204" pitchFamily="34" charset="0"/>
+              </a:rPr>
+              <a:t>Cryptocurrency</a:t>
             </a:r>
           </a:p>
         </p:txBody>
@@ -3049,8 +3069,8 @@
         </p:nvSpPr>
         <p:spPr>
           <a:xfrm>
-            <a:off x="1541743" y="2280911"/>
-            <a:ext cx="781749" cy="367261"/>
+            <a:off x="2230874" y="3423753"/>
+            <a:ext cx="2005133" cy="367261"/>
           </a:xfrm>
           <a:prstGeom prst="rect">
             <a:avLst/>
@@ -3092,17 +3112,27 @@
                 <a:latin typeface="Arial" panose="020B0604020202020204" pitchFamily="34" charset="0"/>
                 <a:cs typeface="Arial" panose="020B0604020202020204" pitchFamily="34" charset="0"/>
               </a:rPr>
-              <a:t>Univariate LSTM</a:t>
-            </a:r>
-          </a:p>
-        </p:txBody>
-      </p:sp>
-      <p:sp>
-        <p:nvSpPr>
-          <p:cNvPr id="8" name="Rectangle 7">
+              <a:t>Univariate or </a:t>
+            </a:r>
+          </a:p>
+          <a:p>
+            <a:pPr algn="ctr"/>
+            <a:r>
+              <a:rPr lang="en-GB" sz="900" dirty="0">
+                <a:latin typeface="Arial" panose="020B0604020202020204" pitchFamily="34" charset="0"/>
+                <a:cs typeface="Arial" panose="020B0604020202020204" pitchFamily="34" charset="0"/>
+              </a:rPr>
+              <a:t>Multivariate</a:t>
+            </a:r>
+          </a:p>
+        </p:txBody>
+      </p:sp>
+      <p:sp>
+        <p:nvSpPr>
+          <p:cNvPr id="10" name="Rectangle 9">
             <a:extLst>
               <a:ext uri="{FF2B5EF4-FFF2-40B4-BE49-F238E27FC236}">
-                <a16:creationId xmlns:a16="http://schemas.microsoft.com/office/drawing/2014/main" id="{FE532464-6E48-4791-B697-825C73BFE77B}"/>
+                <a16:creationId xmlns:a16="http://schemas.microsoft.com/office/drawing/2014/main" id="{E79FCFB2-F572-4235-80CA-22BEE3C2B5E2}"/>
               </a:ext>
             </a:extLst>
           </p:cNvPr>
@@ -3111,8 +3141,8 @@
         </p:nvSpPr>
         <p:spPr>
           <a:xfrm>
-            <a:off x="5184952" y="2289901"/>
-            <a:ext cx="781749" cy="367261"/>
+            <a:off x="2230874" y="2783974"/>
+            <a:ext cx="2005133" cy="367261"/>
           </a:xfrm>
           <a:prstGeom prst="rect">
             <a:avLst/>
@@ -3154,17 +3184,27 @@
                 <a:latin typeface="Arial" panose="020B0604020202020204" pitchFamily="34" charset="0"/>
                 <a:cs typeface="Arial" panose="020B0604020202020204" pitchFamily="34" charset="0"/>
               </a:rPr>
-              <a:t>Multivariate LSTM</a:t>
-            </a:r>
-          </a:p>
-        </p:txBody>
-      </p:sp>
-      <p:sp>
-        <p:nvSpPr>
-          <p:cNvPr id="9" name="Rectangle 8">
+              <a:t>One-step or </a:t>
+            </a:r>
+          </a:p>
+          <a:p>
+            <a:pPr algn="ctr"/>
+            <a:r>
+              <a:rPr lang="en-GB" sz="900" dirty="0">
+                <a:latin typeface="Arial" panose="020B0604020202020204" pitchFamily="34" charset="0"/>
+                <a:cs typeface="Arial" panose="020B0604020202020204" pitchFamily="34" charset="0"/>
+              </a:rPr>
+              <a:t>Multi-step Forecasting</a:t>
+            </a:r>
+          </a:p>
+        </p:txBody>
+      </p:sp>
+      <p:sp>
+        <p:nvSpPr>
+          <p:cNvPr id="62" name="Rectangle 61">
             <a:extLst>
               <a:ext uri="{FF2B5EF4-FFF2-40B4-BE49-F238E27FC236}">
-                <a16:creationId xmlns:a16="http://schemas.microsoft.com/office/drawing/2014/main" id="{F6B9FD0B-993F-400F-916D-EA65F4CA3E62}"/>
+                <a16:creationId xmlns:a16="http://schemas.microsoft.com/office/drawing/2014/main" id="{762A175B-F849-45AF-A2E9-2A1688C5D331}"/>
               </a:ext>
             </a:extLst>
           </p:cNvPr>
@@ -3173,8 +3213,8 @@
         </p:nvSpPr>
         <p:spPr>
           <a:xfrm>
-            <a:off x="680997" y="3005305"/>
-            <a:ext cx="781749" cy="367261"/>
+            <a:off x="2230874" y="2144195"/>
+            <a:ext cx="2005133" cy="367261"/>
           </a:xfrm>
           <a:prstGeom prst="rect">
             <a:avLst/>
@@ -3216,17 +3256,27 @@
                 <a:latin typeface="Arial" panose="020B0604020202020204" pitchFamily="34" charset="0"/>
                 <a:cs typeface="Arial" panose="020B0604020202020204" pitchFamily="34" charset="0"/>
               </a:rPr>
-              <a:t>One-step Forecasting</a:t>
-            </a:r>
-          </a:p>
-        </p:txBody>
-      </p:sp>
-      <p:sp>
-        <p:nvSpPr>
-          <p:cNvPr id="10" name="Rectangle 9">
+              <a:t>One-prior or </a:t>
+            </a:r>
+          </a:p>
+          <a:p>
+            <a:pPr algn="ctr"/>
+            <a:r>
+              <a:rPr lang="en-GB" sz="900" dirty="0">
+                <a:latin typeface="Arial" panose="020B0604020202020204" pitchFamily="34" charset="0"/>
+                <a:cs typeface="Arial" panose="020B0604020202020204" pitchFamily="34" charset="0"/>
+              </a:rPr>
+              <a:t>Multi-prior History</a:t>
+            </a:r>
+          </a:p>
+        </p:txBody>
+      </p:sp>
+      <p:sp>
+        <p:nvSpPr>
+          <p:cNvPr id="50" name="Rectangle 49">
             <a:extLst>
               <a:ext uri="{FF2B5EF4-FFF2-40B4-BE49-F238E27FC236}">
-                <a16:creationId xmlns:a16="http://schemas.microsoft.com/office/drawing/2014/main" id="{E79FCFB2-F572-4235-80CA-22BEE3C2B5E2}"/>
+                <a16:creationId xmlns:a16="http://schemas.microsoft.com/office/drawing/2014/main" id="{EEE0177D-2622-4CA8-B743-E4ABD685C776}"/>
               </a:ext>
             </a:extLst>
           </p:cNvPr>
@@ -3235,8 +3285,8 @@
         </p:nvSpPr>
         <p:spPr>
           <a:xfrm>
-            <a:off x="2493789" y="3005306"/>
-            <a:ext cx="781749" cy="367261"/>
+            <a:off x="2205110" y="1111608"/>
+            <a:ext cx="2068186" cy="760069"/>
           </a:xfrm>
           <a:prstGeom prst="rect">
             <a:avLst/>
@@ -3278,61 +3328,9 @@
                 <a:latin typeface="Arial" panose="020B0604020202020204" pitchFamily="34" charset="0"/>
                 <a:cs typeface="Arial" panose="020B0604020202020204" pitchFamily="34" charset="0"/>
               </a:rPr>
-              <a:t>Multi-step Forecasting</a:t>
-            </a:r>
-          </a:p>
-        </p:txBody>
-      </p:sp>
-      <p:sp>
-        <p:nvSpPr>
-          <p:cNvPr id="11" name="Rectangle 10">
-            <a:extLst>
-              <a:ext uri="{FF2B5EF4-FFF2-40B4-BE49-F238E27FC236}">
-                <a16:creationId xmlns:a16="http://schemas.microsoft.com/office/drawing/2014/main" id="{C71CCB8F-D563-41D3-83B6-BB21C7077326}"/>
-              </a:ext>
-            </a:extLst>
-          </p:cNvPr>
-          <p:cNvSpPr/>
-          <p:nvPr/>
-        </p:nvSpPr>
-        <p:spPr>
-          <a:xfrm>
-            <a:off x="216582" y="3739507"/>
-            <a:ext cx="781749" cy="367261"/>
-          </a:xfrm>
-          <a:prstGeom prst="rect">
-            <a:avLst/>
-          </a:prstGeom>
-          <a:effectLst>
-            <a:outerShdw blurRad="50800" dist="38100" dir="2700000" algn="tl" rotWithShape="0">
-              <a:prstClr val="black">
-                <a:alpha val="40000"/>
-              </a:prstClr>
-            </a:outerShdw>
-          </a:effectLst>
-        </p:spPr>
-        <p:style>
-          <a:lnRef idx="2">
-            <a:schemeClr val="dk1"/>
-          </a:lnRef>
-          <a:fillRef idx="1">
-            <a:schemeClr val="lt1"/>
-          </a:fillRef>
-          <a:effectRef idx="0">
-            <a:schemeClr val="dk1"/>
-          </a:effectRef>
-          <a:fontRef idx="minor">
-            <a:schemeClr val="dk1"/>
-          </a:fontRef>
-        </p:style>
-        <p:txBody>
-          <a:bodyPr rot="0" spcFirstLastPara="0" vertOverflow="overflow" horzOverflow="overflow" vert="horz" wrap="square" lIns="0" tIns="0" rIns="0" bIns="0" numCol="1" spcCol="0" rtlCol="0" fromWordArt="0" anchor="ctr" anchorCtr="0" forceAA="0" compatLnSpc="1">
-            <a:prstTxWarp prst="textNoShape">
-              <a:avLst/>
-            </a:prstTxWarp>
-            <a:noAutofit/>
-          </a:bodyPr>
-          <a:lstStyle/>
+              <a:t>Vanilla LSTM,</a:t>
+            </a:r>
+          </a:p>
           <a:p>
             <a:pPr algn="ctr"/>
             <a:r>
@@ -3340,61 +3338,9 @@
                 <a:latin typeface="Arial" panose="020B0604020202020204" pitchFamily="34" charset="0"/>
                 <a:cs typeface="Arial" panose="020B0604020202020204" pitchFamily="34" charset="0"/>
               </a:rPr>
-              <a:t>One-prior history</a:t>
-            </a:r>
-          </a:p>
-        </p:txBody>
-      </p:sp>
-      <p:sp>
-        <p:nvSpPr>
-          <p:cNvPr id="12" name="Rectangle 11">
-            <a:extLst>
-              <a:ext uri="{FF2B5EF4-FFF2-40B4-BE49-F238E27FC236}">
-                <a16:creationId xmlns:a16="http://schemas.microsoft.com/office/drawing/2014/main" id="{FEC06459-B136-4A11-8968-F7D1DCFEA967}"/>
-              </a:ext>
-            </a:extLst>
-          </p:cNvPr>
-          <p:cNvSpPr/>
-          <p:nvPr/>
-        </p:nvSpPr>
-        <p:spPr>
-          <a:xfrm>
-            <a:off x="1122977" y="3739507"/>
-            <a:ext cx="781749" cy="367261"/>
-          </a:xfrm>
-          <a:prstGeom prst="rect">
-            <a:avLst/>
-          </a:prstGeom>
-          <a:effectLst>
-            <a:outerShdw blurRad="50800" dist="38100" dir="2700000" algn="tl" rotWithShape="0">
-              <a:prstClr val="black">
-                <a:alpha val="40000"/>
-              </a:prstClr>
-            </a:outerShdw>
-          </a:effectLst>
-        </p:spPr>
-        <p:style>
-          <a:lnRef idx="2">
-            <a:schemeClr val="dk1"/>
-          </a:lnRef>
-          <a:fillRef idx="1">
-            <a:schemeClr val="lt1"/>
-          </a:fillRef>
-          <a:effectRef idx="0">
-            <a:schemeClr val="dk1"/>
-          </a:effectRef>
-          <a:fontRef idx="minor">
-            <a:schemeClr val="dk1"/>
-          </a:fontRef>
-        </p:style>
-        <p:txBody>
-          <a:bodyPr rot="0" spcFirstLastPara="0" vertOverflow="overflow" horzOverflow="overflow" vert="horz" wrap="square" lIns="0" tIns="0" rIns="0" bIns="0" numCol="1" spcCol="0" rtlCol="0" fromWordArt="0" anchor="ctr" anchorCtr="0" forceAA="0" compatLnSpc="1">
-            <a:prstTxWarp prst="textNoShape">
-              <a:avLst/>
-            </a:prstTxWarp>
-            <a:noAutofit/>
-          </a:bodyPr>
-          <a:lstStyle/>
+              <a:t>Stacked 2-LSTM,</a:t>
+            </a:r>
+          </a:p>
           <a:p>
             <a:pPr algn="ctr"/>
             <a:r>
@@ -3402,61 +3348,9 @@
                 <a:latin typeface="Arial" panose="020B0604020202020204" pitchFamily="34" charset="0"/>
                 <a:cs typeface="Arial" panose="020B0604020202020204" pitchFamily="34" charset="0"/>
               </a:rPr>
-              <a:t>Multi-prior history</a:t>
-            </a:r>
-          </a:p>
-        </p:txBody>
-      </p:sp>
-      <p:sp>
-        <p:nvSpPr>
-          <p:cNvPr id="62" name="Rectangle 61">
-            <a:extLst>
-              <a:ext uri="{FF2B5EF4-FFF2-40B4-BE49-F238E27FC236}">
-                <a16:creationId xmlns:a16="http://schemas.microsoft.com/office/drawing/2014/main" id="{762A175B-F849-45AF-A2E9-2A1688C5D331}"/>
-              </a:ext>
-            </a:extLst>
-          </p:cNvPr>
-          <p:cNvSpPr/>
-          <p:nvPr/>
-        </p:nvSpPr>
-        <p:spPr>
-          <a:xfrm>
-            <a:off x="2029372" y="3739507"/>
-            <a:ext cx="781749" cy="367261"/>
-          </a:xfrm>
-          <a:prstGeom prst="rect">
-            <a:avLst/>
-          </a:prstGeom>
-          <a:effectLst>
-            <a:outerShdw blurRad="50800" dist="38100" dir="2700000" algn="tl" rotWithShape="0">
-              <a:prstClr val="black">
-                <a:alpha val="40000"/>
-              </a:prstClr>
-            </a:outerShdw>
-          </a:effectLst>
-        </p:spPr>
-        <p:style>
-          <a:lnRef idx="2">
-            <a:schemeClr val="dk1"/>
-          </a:lnRef>
-          <a:fillRef idx="1">
-            <a:schemeClr val="lt1"/>
-          </a:fillRef>
-          <a:effectRef idx="0">
-            <a:schemeClr val="dk1"/>
-          </a:effectRef>
-          <a:fontRef idx="minor">
-            <a:schemeClr val="dk1"/>
-          </a:fontRef>
-        </p:style>
-        <p:txBody>
-          <a:bodyPr rot="0" spcFirstLastPara="0" vertOverflow="overflow" horzOverflow="overflow" vert="horz" wrap="square" lIns="0" tIns="0" rIns="0" bIns="0" numCol="1" spcCol="0" rtlCol="0" fromWordArt="0" anchor="ctr" anchorCtr="0" forceAA="0" compatLnSpc="1">
-            <a:prstTxWarp prst="textNoShape">
-              <a:avLst/>
-            </a:prstTxWarp>
-            <a:noAutofit/>
-          </a:bodyPr>
-          <a:lstStyle/>
+              <a:t>Bidirectional LSTM,</a:t>
+            </a:r>
+          </a:p>
           <a:p>
             <a:pPr algn="ctr"/>
             <a:r>
@@ -3464,61 +3358,9 @@
                 <a:latin typeface="Arial" panose="020B0604020202020204" pitchFamily="34" charset="0"/>
                 <a:cs typeface="Arial" panose="020B0604020202020204" pitchFamily="34" charset="0"/>
               </a:rPr>
-              <a:t>One-prior history</a:t>
-            </a:r>
-          </a:p>
-        </p:txBody>
-      </p:sp>
-      <p:sp>
-        <p:nvSpPr>
-          <p:cNvPr id="63" name="Rectangle 62">
-            <a:extLst>
-              <a:ext uri="{FF2B5EF4-FFF2-40B4-BE49-F238E27FC236}">
-                <a16:creationId xmlns:a16="http://schemas.microsoft.com/office/drawing/2014/main" id="{D1A57CC2-6494-42CB-A0D5-47FD7901E0E7}"/>
-              </a:ext>
-            </a:extLst>
-          </p:cNvPr>
-          <p:cNvSpPr/>
-          <p:nvPr/>
-        </p:nvSpPr>
-        <p:spPr>
-          <a:xfrm>
-            <a:off x="2935767" y="3739507"/>
-            <a:ext cx="781749" cy="367261"/>
-          </a:xfrm>
-          <a:prstGeom prst="rect">
-            <a:avLst/>
-          </a:prstGeom>
-          <a:effectLst>
-            <a:outerShdw blurRad="50800" dist="38100" dir="2700000" algn="tl" rotWithShape="0">
-              <a:prstClr val="black">
-                <a:alpha val="40000"/>
-              </a:prstClr>
-            </a:outerShdw>
-          </a:effectLst>
-        </p:spPr>
-        <p:style>
-          <a:lnRef idx="2">
-            <a:schemeClr val="dk1"/>
-          </a:lnRef>
-          <a:fillRef idx="1">
-            <a:schemeClr val="lt1"/>
-          </a:fillRef>
-          <a:effectRef idx="0">
-            <a:schemeClr val="dk1"/>
-          </a:effectRef>
-          <a:fontRef idx="minor">
-            <a:schemeClr val="dk1"/>
-          </a:fontRef>
-        </p:style>
-        <p:txBody>
-          <a:bodyPr rot="0" spcFirstLastPara="0" vertOverflow="overflow" horzOverflow="overflow" vert="horz" wrap="square" lIns="0" tIns="0" rIns="0" bIns="0" numCol="1" spcCol="0" rtlCol="0" fromWordArt="0" anchor="ctr" anchorCtr="0" forceAA="0" compatLnSpc="1">
-            <a:prstTxWarp prst="textNoShape">
-              <a:avLst/>
-            </a:prstTxWarp>
-            <a:noAutofit/>
-          </a:bodyPr>
-          <a:lstStyle/>
+              <a:t>Convolutional Neural Network, or</a:t>
+            </a:r>
+          </a:p>
           <a:p>
             <a:pPr algn="ctr"/>
             <a:r>
@@ -3526,404 +3368,33 @@
                 <a:latin typeface="Arial" panose="020B0604020202020204" pitchFamily="34" charset="0"/>
                 <a:cs typeface="Arial" panose="020B0604020202020204" pitchFamily="34" charset="0"/>
               </a:rPr>
-              <a:t>Multi-prior history</a:t>
-            </a:r>
-          </a:p>
-        </p:txBody>
-      </p:sp>
-      <p:sp>
-        <p:nvSpPr>
-          <p:cNvPr id="74" name="Rectangle 73">
+              <a:t>Convolutional LSTM</a:t>
+            </a:r>
+          </a:p>
+        </p:txBody>
+      </p:sp>
+      <p:cxnSp>
+        <p:nvCxnSpPr>
+          <p:cNvPr id="27" name="Straight Arrow Connector 26">
             <a:extLst>
               <a:ext uri="{FF2B5EF4-FFF2-40B4-BE49-F238E27FC236}">
-                <a16:creationId xmlns:a16="http://schemas.microsoft.com/office/drawing/2014/main" id="{0AC803AC-D39E-4FC0-97DE-175E82EB54D9}"/>
-              </a:ext>
-            </a:extLst>
-          </p:cNvPr>
-          <p:cNvSpPr/>
-          <p:nvPr/>
-        </p:nvSpPr>
-        <p:spPr>
-          <a:xfrm>
-            <a:off x="4277383" y="3005303"/>
-            <a:ext cx="781749" cy="367261"/>
-          </a:xfrm>
-          <a:prstGeom prst="rect">
-            <a:avLst/>
-          </a:prstGeom>
-          <a:effectLst>
-            <a:outerShdw blurRad="50800" dist="38100" dir="2700000" algn="tl" rotWithShape="0">
-              <a:prstClr val="black">
-                <a:alpha val="40000"/>
-              </a:prstClr>
-            </a:outerShdw>
-          </a:effectLst>
-        </p:spPr>
-        <p:style>
-          <a:lnRef idx="2">
-            <a:schemeClr val="dk1"/>
-          </a:lnRef>
-          <a:fillRef idx="1">
-            <a:schemeClr val="lt1"/>
-          </a:fillRef>
-          <a:effectRef idx="0">
-            <a:schemeClr val="dk1"/>
-          </a:effectRef>
-          <a:fontRef idx="minor">
-            <a:schemeClr val="dk1"/>
-          </a:fontRef>
-        </p:style>
-        <p:txBody>
-          <a:bodyPr rot="0" spcFirstLastPara="0" vertOverflow="overflow" horzOverflow="overflow" vert="horz" wrap="square" lIns="0" tIns="0" rIns="0" bIns="0" numCol="1" spcCol="0" rtlCol="0" fromWordArt="0" anchor="ctr" anchorCtr="0" forceAA="0" compatLnSpc="1">
-            <a:prstTxWarp prst="textNoShape">
-              <a:avLst/>
-            </a:prstTxWarp>
-            <a:noAutofit/>
-          </a:bodyPr>
-          <a:lstStyle/>
-          <a:p>
-            <a:pPr algn="ctr"/>
-            <a:r>
-              <a:rPr lang="en-GB" sz="900" dirty="0">
-                <a:latin typeface="Arial" panose="020B0604020202020204" pitchFamily="34" charset="0"/>
-                <a:cs typeface="Arial" panose="020B0604020202020204" pitchFamily="34" charset="0"/>
-              </a:rPr>
-              <a:t>One-step Forecasting</a:t>
-            </a:r>
-          </a:p>
-        </p:txBody>
-      </p:sp>
-      <p:sp>
-        <p:nvSpPr>
-          <p:cNvPr id="75" name="Rectangle 74">
-            <a:extLst>
-              <a:ext uri="{FF2B5EF4-FFF2-40B4-BE49-F238E27FC236}">
-                <a16:creationId xmlns:a16="http://schemas.microsoft.com/office/drawing/2014/main" id="{A8EF2D3E-4B26-477E-8161-929B83938B3D}"/>
-              </a:ext>
-            </a:extLst>
-          </p:cNvPr>
-          <p:cNvSpPr/>
-          <p:nvPr/>
-        </p:nvSpPr>
-        <p:spPr>
-          <a:xfrm>
-            <a:off x="6096929" y="3005304"/>
-            <a:ext cx="781749" cy="367261"/>
-          </a:xfrm>
-          <a:prstGeom prst="rect">
-            <a:avLst/>
-          </a:prstGeom>
-          <a:effectLst>
-            <a:outerShdw blurRad="50800" dist="38100" dir="2700000" algn="tl" rotWithShape="0">
-              <a:prstClr val="black">
-                <a:alpha val="40000"/>
-              </a:prstClr>
-            </a:outerShdw>
-          </a:effectLst>
-        </p:spPr>
-        <p:style>
-          <a:lnRef idx="2">
-            <a:schemeClr val="dk1"/>
-          </a:lnRef>
-          <a:fillRef idx="1">
-            <a:schemeClr val="lt1"/>
-          </a:fillRef>
-          <a:effectRef idx="0">
-            <a:schemeClr val="dk1"/>
-          </a:effectRef>
-          <a:fontRef idx="minor">
-            <a:schemeClr val="dk1"/>
-          </a:fontRef>
-        </p:style>
-        <p:txBody>
-          <a:bodyPr rot="0" spcFirstLastPara="0" vertOverflow="overflow" horzOverflow="overflow" vert="horz" wrap="square" lIns="0" tIns="0" rIns="0" bIns="0" numCol="1" spcCol="0" rtlCol="0" fromWordArt="0" anchor="ctr" anchorCtr="0" forceAA="0" compatLnSpc="1">
-            <a:prstTxWarp prst="textNoShape">
-              <a:avLst/>
-            </a:prstTxWarp>
-            <a:noAutofit/>
-          </a:bodyPr>
-          <a:lstStyle/>
-          <a:p>
-            <a:pPr algn="ctr"/>
-            <a:r>
-              <a:rPr lang="en-GB" sz="900" dirty="0">
-                <a:latin typeface="Arial" panose="020B0604020202020204" pitchFamily="34" charset="0"/>
-                <a:cs typeface="Arial" panose="020B0604020202020204" pitchFamily="34" charset="0"/>
-              </a:rPr>
-              <a:t>Multi-step Forecasting</a:t>
-            </a:r>
-          </a:p>
-        </p:txBody>
-      </p:sp>
-      <p:sp>
-        <p:nvSpPr>
-          <p:cNvPr id="76" name="Rectangle 75">
-            <a:extLst>
-              <a:ext uri="{FF2B5EF4-FFF2-40B4-BE49-F238E27FC236}">
-                <a16:creationId xmlns:a16="http://schemas.microsoft.com/office/drawing/2014/main" id="{86DB38B6-06C7-484B-9C22-9A1649B9BC36}"/>
-              </a:ext>
-            </a:extLst>
-          </p:cNvPr>
-          <p:cNvSpPr/>
-          <p:nvPr/>
-        </p:nvSpPr>
-        <p:spPr>
-          <a:xfrm>
-            <a:off x="3842162" y="3739444"/>
-            <a:ext cx="781749" cy="367261"/>
-          </a:xfrm>
-          <a:prstGeom prst="rect">
-            <a:avLst/>
-          </a:prstGeom>
-          <a:effectLst>
-            <a:outerShdw blurRad="50800" dist="38100" dir="2700000" algn="tl" rotWithShape="0">
-              <a:prstClr val="black">
-                <a:alpha val="40000"/>
-              </a:prstClr>
-            </a:outerShdw>
-          </a:effectLst>
-        </p:spPr>
-        <p:style>
-          <a:lnRef idx="2">
-            <a:schemeClr val="dk1"/>
-          </a:lnRef>
-          <a:fillRef idx="1">
-            <a:schemeClr val="lt1"/>
-          </a:fillRef>
-          <a:effectRef idx="0">
-            <a:schemeClr val="dk1"/>
-          </a:effectRef>
-          <a:fontRef idx="minor">
-            <a:schemeClr val="dk1"/>
-          </a:fontRef>
-        </p:style>
-        <p:txBody>
-          <a:bodyPr rot="0" spcFirstLastPara="0" vertOverflow="overflow" horzOverflow="overflow" vert="horz" wrap="square" lIns="0" tIns="0" rIns="0" bIns="0" numCol="1" spcCol="0" rtlCol="0" fromWordArt="0" anchor="ctr" anchorCtr="0" forceAA="0" compatLnSpc="1">
-            <a:prstTxWarp prst="textNoShape">
-              <a:avLst/>
-            </a:prstTxWarp>
-            <a:noAutofit/>
-          </a:bodyPr>
-          <a:lstStyle/>
-          <a:p>
-            <a:pPr algn="ctr"/>
-            <a:r>
-              <a:rPr lang="en-GB" sz="900" dirty="0">
-                <a:latin typeface="Arial" panose="020B0604020202020204" pitchFamily="34" charset="0"/>
-                <a:cs typeface="Arial" panose="020B0604020202020204" pitchFamily="34" charset="0"/>
-              </a:rPr>
-              <a:t>One-prior history</a:t>
-            </a:r>
-          </a:p>
-        </p:txBody>
-      </p:sp>
-      <p:sp>
-        <p:nvSpPr>
-          <p:cNvPr id="77" name="Rectangle 76">
-            <a:extLst>
-              <a:ext uri="{FF2B5EF4-FFF2-40B4-BE49-F238E27FC236}">
-                <a16:creationId xmlns:a16="http://schemas.microsoft.com/office/drawing/2014/main" id="{0D1107E3-9259-4FD5-8E56-EC75730F7FCD}"/>
-              </a:ext>
-            </a:extLst>
-          </p:cNvPr>
-          <p:cNvSpPr/>
-          <p:nvPr/>
-        </p:nvSpPr>
-        <p:spPr>
-          <a:xfrm>
-            <a:off x="4748557" y="3739444"/>
-            <a:ext cx="781749" cy="367261"/>
-          </a:xfrm>
-          <a:prstGeom prst="rect">
-            <a:avLst/>
-          </a:prstGeom>
-          <a:effectLst>
-            <a:outerShdw blurRad="50800" dist="38100" dir="2700000" algn="tl" rotWithShape="0">
-              <a:prstClr val="black">
-                <a:alpha val="40000"/>
-              </a:prstClr>
-            </a:outerShdw>
-          </a:effectLst>
-        </p:spPr>
-        <p:style>
-          <a:lnRef idx="2">
-            <a:schemeClr val="dk1"/>
-          </a:lnRef>
-          <a:fillRef idx="1">
-            <a:schemeClr val="lt1"/>
-          </a:fillRef>
-          <a:effectRef idx="0">
-            <a:schemeClr val="dk1"/>
-          </a:effectRef>
-          <a:fontRef idx="minor">
-            <a:schemeClr val="dk1"/>
-          </a:fontRef>
-        </p:style>
-        <p:txBody>
-          <a:bodyPr rot="0" spcFirstLastPara="0" vertOverflow="overflow" horzOverflow="overflow" vert="horz" wrap="square" lIns="0" tIns="0" rIns="0" bIns="0" numCol="1" spcCol="0" rtlCol="0" fromWordArt="0" anchor="ctr" anchorCtr="0" forceAA="0" compatLnSpc="1">
-            <a:prstTxWarp prst="textNoShape">
-              <a:avLst/>
-            </a:prstTxWarp>
-            <a:noAutofit/>
-          </a:bodyPr>
-          <a:lstStyle/>
-          <a:p>
-            <a:pPr algn="ctr"/>
-            <a:r>
-              <a:rPr lang="en-GB" sz="900" dirty="0">
-                <a:latin typeface="Arial" panose="020B0604020202020204" pitchFamily="34" charset="0"/>
-                <a:cs typeface="Arial" panose="020B0604020202020204" pitchFamily="34" charset="0"/>
-              </a:rPr>
-              <a:t>Multi-prior history</a:t>
-            </a:r>
-          </a:p>
-        </p:txBody>
-      </p:sp>
-      <p:sp>
-        <p:nvSpPr>
-          <p:cNvPr id="78" name="Rectangle 77">
-            <a:extLst>
-              <a:ext uri="{FF2B5EF4-FFF2-40B4-BE49-F238E27FC236}">
-                <a16:creationId xmlns:a16="http://schemas.microsoft.com/office/drawing/2014/main" id="{C9DB63FB-55DF-483E-8749-7B20490C687A}"/>
-              </a:ext>
-            </a:extLst>
-          </p:cNvPr>
-          <p:cNvSpPr/>
-          <p:nvPr/>
-        </p:nvSpPr>
-        <p:spPr>
-          <a:xfrm>
-            <a:off x="5654952" y="3739444"/>
-            <a:ext cx="781749" cy="367261"/>
-          </a:xfrm>
-          <a:prstGeom prst="rect">
-            <a:avLst/>
-          </a:prstGeom>
-          <a:effectLst>
-            <a:outerShdw blurRad="50800" dist="38100" dir="2700000" algn="tl" rotWithShape="0">
-              <a:prstClr val="black">
-                <a:alpha val="40000"/>
-              </a:prstClr>
-            </a:outerShdw>
-          </a:effectLst>
-        </p:spPr>
-        <p:style>
-          <a:lnRef idx="2">
-            <a:schemeClr val="dk1"/>
-          </a:lnRef>
-          <a:fillRef idx="1">
-            <a:schemeClr val="lt1"/>
-          </a:fillRef>
-          <a:effectRef idx="0">
-            <a:schemeClr val="dk1"/>
-          </a:effectRef>
-          <a:fontRef idx="minor">
-            <a:schemeClr val="dk1"/>
-          </a:fontRef>
-        </p:style>
-        <p:txBody>
-          <a:bodyPr rot="0" spcFirstLastPara="0" vertOverflow="overflow" horzOverflow="overflow" vert="horz" wrap="square" lIns="0" tIns="0" rIns="0" bIns="0" numCol="1" spcCol="0" rtlCol="0" fromWordArt="0" anchor="ctr" anchorCtr="0" forceAA="0" compatLnSpc="1">
-            <a:prstTxWarp prst="textNoShape">
-              <a:avLst/>
-            </a:prstTxWarp>
-            <a:noAutofit/>
-          </a:bodyPr>
-          <a:lstStyle/>
-          <a:p>
-            <a:pPr algn="ctr"/>
-            <a:r>
-              <a:rPr lang="en-GB" sz="900" dirty="0">
-                <a:latin typeface="Arial" panose="020B0604020202020204" pitchFamily="34" charset="0"/>
-                <a:cs typeface="Arial" panose="020B0604020202020204" pitchFamily="34" charset="0"/>
-              </a:rPr>
-              <a:t>One-prior history</a:t>
-            </a:r>
-          </a:p>
-        </p:txBody>
-      </p:sp>
-      <p:sp>
-        <p:nvSpPr>
-          <p:cNvPr id="79" name="Rectangle 78">
-            <a:extLst>
-              <a:ext uri="{FF2B5EF4-FFF2-40B4-BE49-F238E27FC236}">
-                <a16:creationId xmlns:a16="http://schemas.microsoft.com/office/drawing/2014/main" id="{D9A3CC71-543A-44E8-B59D-BF1D3DABCC2A}"/>
-              </a:ext>
-            </a:extLst>
-          </p:cNvPr>
-          <p:cNvSpPr/>
-          <p:nvPr/>
-        </p:nvSpPr>
-        <p:spPr>
-          <a:xfrm>
-            <a:off x="6561348" y="3739444"/>
-            <a:ext cx="781749" cy="367261"/>
-          </a:xfrm>
-          <a:prstGeom prst="rect">
-            <a:avLst/>
-          </a:prstGeom>
-          <a:effectLst>
-            <a:outerShdw blurRad="50800" dist="38100" dir="2700000" algn="tl" rotWithShape="0">
-              <a:prstClr val="black">
-                <a:alpha val="40000"/>
-              </a:prstClr>
-            </a:outerShdw>
-          </a:effectLst>
-        </p:spPr>
-        <p:style>
-          <a:lnRef idx="2">
-            <a:schemeClr val="dk1"/>
-          </a:lnRef>
-          <a:fillRef idx="1">
-            <a:schemeClr val="lt1"/>
-          </a:fillRef>
-          <a:effectRef idx="0">
-            <a:schemeClr val="dk1"/>
-          </a:effectRef>
-          <a:fontRef idx="minor">
-            <a:schemeClr val="dk1"/>
-          </a:fontRef>
-        </p:style>
-        <p:txBody>
-          <a:bodyPr rot="0" spcFirstLastPara="0" vertOverflow="overflow" horzOverflow="overflow" vert="horz" wrap="square" lIns="0" tIns="0" rIns="0" bIns="0" numCol="1" spcCol="0" rtlCol="0" fromWordArt="0" anchor="ctr" anchorCtr="0" forceAA="0" compatLnSpc="1">
-            <a:prstTxWarp prst="textNoShape">
-              <a:avLst/>
-            </a:prstTxWarp>
-            <a:noAutofit/>
-          </a:bodyPr>
-          <a:lstStyle/>
-          <a:p>
-            <a:pPr algn="ctr"/>
-            <a:r>
-              <a:rPr lang="en-GB" sz="900" dirty="0">
-                <a:latin typeface="Arial" panose="020B0604020202020204" pitchFamily="34" charset="0"/>
-                <a:cs typeface="Arial" panose="020B0604020202020204" pitchFamily="34" charset="0"/>
-              </a:rPr>
-              <a:t>Multi-prior history</a:t>
-            </a:r>
-          </a:p>
-        </p:txBody>
-      </p:sp>
-      <p:cxnSp>
-        <p:nvCxnSpPr>
-          <p:cNvPr id="81" name="Connector: Elbow 80">
-            <a:extLst>
-              <a:ext uri="{FF2B5EF4-FFF2-40B4-BE49-F238E27FC236}">
-                <a16:creationId xmlns:a16="http://schemas.microsoft.com/office/drawing/2014/main" id="{0BCDD7DB-5095-4F4E-AE69-BA28B9BBA97D}"/>
+                <a16:creationId xmlns:a16="http://schemas.microsoft.com/office/drawing/2014/main" id="{09F1C2DC-5E60-4EE3-9CC2-28232C171633}"/>
               </a:ext>
             </a:extLst>
           </p:cNvPr>
           <p:cNvCxnSpPr>
-            <a:stCxn id="6" idx="2"/>
-            <a:endCxn id="7" idx="0"/>
+            <a:cxnSpLocks/>
+            <a:stCxn id="50" idx="2"/>
+            <a:endCxn id="62" idx="0"/>
           </p:cNvCxnSpPr>
           <p:nvPr/>
         </p:nvCxnSpPr>
         <p:spPr>
-          <a:xfrm rot="5400000">
-            <a:off x="2614203" y="1177105"/>
-            <a:ext cx="422222" cy="1785391"/>
-          </a:xfrm>
-          <a:prstGeom prst="bentConnector3">
+          <a:xfrm flipH="1">
+            <a:off x="3233441" y="1871677"/>
+            <a:ext cx="5762" cy="272518"/>
+          </a:xfrm>
+          <a:prstGeom prst="straightConnector1">
             <a:avLst/>
           </a:prstGeom>
           <a:ln>
@@ -3931,13 +3402,13 @@
           </a:ln>
         </p:spPr>
         <p:style>
-          <a:lnRef idx="1">
+          <a:lnRef idx="2">
             <a:schemeClr val="dk1"/>
           </a:lnRef>
           <a:fillRef idx="0">
             <a:schemeClr val="dk1"/>
           </a:fillRef>
-          <a:effectRef idx="0">
+          <a:effectRef idx="1">
             <a:schemeClr val="dk1"/>
           </a:effectRef>
           <a:fontRef idx="minor">
@@ -3947,42 +3418,40 @@
       </p:cxnSp>
       <p:cxnSp>
         <p:nvCxnSpPr>
-          <p:cNvPr id="82" name="Connector: Elbow 81">
+          <p:cNvPr id="55" name="Straight Arrow Connector 54">
             <a:extLst>
               <a:ext uri="{FF2B5EF4-FFF2-40B4-BE49-F238E27FC236}">
-                <a16:creationId xmlns:a16="http://schemas.microsoft.com/office/drawing/2014/main" id="{25700C77-F5C7-4426-BE70-42B8CD536D42}"/>
+                <a16:creationId xmlns:a16="http://schemas.microsoft.com/office/drawing/2014/main" id="{EBD1B2D4-6CDC-47F8-ABF7-C18077C12C50}"/>
               </a:ext>
             </a:extLst>
           </p:cNvPr>
           <p:cNvCxnSpPr>
             <a:cxnSpLocks/>
-            <a:stCxn id="6" idx="2"/>
-            <a:endCxn id="8" idx="0"/>
+            <a:stCxn id="62" idx="2"/>
+            <a:endCxn id="10" idx="0"/>
           </p:cNvCxnSpPr>
           <p:nvPr/>
         </p:nvCxnSpPr>
         <p:spPr>
-          <a:xfrm rot="16200000" flipH="1">
-            <a:off x="4431312" y="1145386"/>
-            <a:ext cx="431212" cy="1857818"/>
-          </a:xfrm>
-          <a:prstGeom prst="bentConnector3">
-            <a:avLst>
-              <a:gd name="adj1" fmla="val 50000"/>
-            </a:avLst>
+          <a:xfrm>
+            <a:off x="3233441" y="2511456"/>
+            <a:ext cx="0" cy="272518"/>
+          </a:xfrm>
+          <a:prstGeom prst="straightConnector1">
+            <a:avLst/>
           </a:prstGeom>
           <a:ln>
             <a:tailEnd type="triangle"/>
           </a:ln>
         </p:spPr>
         <p:style>
-          <a:lnRef idx="1">
+          <a:lnRef idx="2">
             <a:schemeClr val="dk1"/>
           </a:lnRef>
           <a:fillRef idx="0">
             <a:schemeClr val="dk1"/>
           </a:fillRef>
-          <a:effectRef idx="0">
+          <a:effectRef idx="1">
             <a:schemeClr val="dk1"/>
           </a:effectRef>
           <a:fontRef idx="minor">
@@ -3992,42 +3461,40 @@
       </p:cxnSp>
       <p:cxnSp>
         <p:nvCxnSpPr>
-          <p:cNvPr id="85" name="Connector: Elbow 84">
+          <p:cNvPr id="58" name="Straight Arrow Connector 57">
             <a:extLst>
               <a:ext uri="{FF2B5EF4-FFF2-40B4-BE49-F238E27FC236}">
-                <a16:creationId xmlns:a16="http://schemas.microsoft.com/office/drawing/2014/main" id="{D1FE428C-8420-443C-ADD1-F4B7CE0433E3}"/>
+                <a16:creationId xmlns:a16="http://schemas.microsoft.com/office/drawing/2014/main" id="{02205B8A-3B44-4048-810B-6B8C1B0D718C}"/>
               </a:ext>
             </a:extLst>
           </p:cNvPr>
           <p:cNvCxnSpPr>
             <a:cxnSpLocks/>
-            <a:stCxn id="7" idx="2"/>
-            <a:endCxn id="9" idx="0"/>
+            <a:stCxn id="10" idx="2"/>
+            <a:endCxn id="7" idx="0"/>
           </p:cNvCxnSpPr>
           <p:nvPr/>
         </p:nvCxnSpPr>
         <p:spPr>
-          <a:xfrm rot="5400000">
-            <a:off x="1323679" y="2396365"/>
-            <a:ext cx="357133" cy="860746"/>
-          </a:xfrm>
-          <a:prstGeom prst="bentConnector3">
-            <a:avLst>
-              <a:gd name="adj1" fmla="val 50000"/>
-            </a:avLst>
+          <a:xfrm>
+            <a:off x="3233441" y="3151235"/>
+            <a:ext cx="0" cy="272518"/>
+          </a:xfrm>
+          <a:prstGeom prst="straightConnector1">
+            <a:avLst/>
           </a:prstGeom>
           <a:ln>
             <a:tailEnd type="triangle"/>
           </a:ln>
         </p:spPr>
         <p:style>
-          <a:lnRef idx="1">
+          <a:lnRef idx="2">
             <a:schemeClr val="dk1"/>
           </a:lnRef>
           <a:fillRef idx="0">
             <a:schemeClr val="dk1"/>
           </a:fillRef>
-          <a:effectRef idx="0">
+          <a:effectRef idx="1">
             <a:schemeClr val="dk1"/>
           </a:effectRef>
           <a:fontRef idx="minor">
@@ -4037,582 +3504,40 @@
       </p:cxnSp>
       <p:cxnSp>
         <p:nvCxnSpPr>
-          <p:cNvPr id="89" name="Connector: Elbow 88">
+          <p:cNvPr id="61" name="Straight Arrow Connector 60">
             <a:extLst>
               <a:ext uri="{FF2B5EF4-FFF2-40B4-BE49-F238E27FC236}">
-                <a16:creationId xmlns:a16="http://schemas.microsoft.com/office/drawing/2014/main" id="{DFE065B6-4DB4-4C5E-8894-324DAD596F2A}"/>
+                <a16:creationId xmlns:a16="http://schemas.microsoft.com/office/drawing/2014/main" id="{1EE9F120-4D2A-46D5-9513-BC8ECCF8BA54}"/>
               </a:ext>
             </a:extLst>
           </p:cNvPr>
           <p:cNvCxnSpPr>
             <a:cxnSpLocks/>
-            <a:stCxn id="7" idx="2"/>
-            <a:endCxn id="10" idx="0"/>
+            <a:stCxn id="6" idx="2"/>
+            <a:endCxn id="50" idx="0"/>
           </p:cNvCxnSpPr>
           <p:nvPr/>
         </p:nvCxnSpPr>
         <p:spPr>
-          <a:xfrm rot="16200000" flipH="1">
-            <a:off x="2230074" y="2350716"/>
-            <a:ext cx="357134" cy="952046"/>
-          </a:xfrm>
-          <a:prstGeom prst="bentConnector3">
-            <a:avLst>
-              <a:gd name="adj1" fmla="val 50000"/>
-            </a:avLst>
+          <a:xfrm>
+            <a:off x="3239046" y="839090"/>
+            <a:ext cx="157" cy="272518"/>
+          </a:xfrm>
+          <a:prstGeom prst="straightConnector1">
+            <a:avLst/>
           </a:prstGeom>
           <a:ln>
             <a:tailEnd type="triangle"/>
           </a:ln>
         </p:spPr>
         <p:style>
-          <a:lnRef idx="1">
+          <a:lnRef idx="2">
             <a:schemeClr val="dk1"/>
           </a:lnRef>
           <a:fillRef idx="0">
             <a:schemeClr val="dk1"/>
           </a:fillRef>
-          <a:effectRef idx="0">
-            <a:schemeClr val="dk1"/>
-          </a:effectRef>
-          <a:fontRef idx="minor">
-            <a:schemeClr val="tx1"/>
-          </a:fontRef>
-        </p:style>
-      </p:cxnSp>
-      <p:cxnSp>
-        <p:nvCxnSpPr>
-          <p:cNvPr id="92" name="Connector: Elbow 91">
-            <a:extLst>
-              <a:ext uri="{FF2B5EF4-FFF2-40B4-BE49-F238E27FC236}">
-                <a16:creationId xmlns:a16="http://schemas.microsoft.com/office/drawing/2014/main" id="{F47BE4ED-4921-498D-9548-0EE6FF7246E5}"/>
-              </a:ext>
-            </a:extLst>
-          </p:cNvPr>
-          <p:cNvCxnSpPr>
-            <a:cxnSpLocks/>
-            <a:stCxn id="8" idx="2"/>
-            <a:endCxn id="74" idx="0"/>
-          </p:cNvCxnSpPr>
-          <p:nvPr/>
-        </p:nvCxnSpPr>
-        <p:spPr>
-          <a:xfrm rot="5400000">
-            <a:off x="4947973" y="2377448"/>
-            <a:ext cx="348141" cy="907569"/>
-          </a:xfrm>
-          <a:prstGeom prst="bentConnector3">
-            <a:avLst>
-              <a:gd name="adj1" fmla="val 50000"/>
-            </a:avLst>
-          </a:prstGeom>
-          <a:ln>
-            <a:tailEnd type="triangle"/>
-          </a:ln>
-        </p:spPr>
-        <p:style>
-          <a:lnRef idx="1">
-            <a:schemeClr val="dk1"/>
-          </a:lnRef>
-          <a:fillRef idx="0">
-            <a:schemeClr val="dk1"/>
-          </a:fillRef>
-          <a:effectRef idx="0">
-            <a:schemeClr val="dk1"/>
-          </a:effectRef>
-          <a:fontRef idx="minor">
-            <a:schemeClr val="tx1"/>
-          </a:fontRef>
-        </p:style>
-      </p:cxnSp>
-      <p:cxnSp>
-        <p:nvCxnSpPr>
-          <p:cNvPr id="93" name="Connector: Elbow 92">
-            <a:extLst>
-              <a:ext uri="{FF2B5EF4-FFF2-40B4-BE49-F238E27FC236}">
-                <a16:creationId xmlns:a16="http://schemas.microsoft.com/office/drawing/2014/main" id="{3A64A588-60A3-4A75-80A5-774711FD9026}"/>
-              </a:ext>
-            </a:extLst>
-          </p:cNvPr>
-          <p:cNvCxnSpPr>
-            <a:cxnSpLocks/>
-            <a:stCxn id="8" idx="2"/>
-            <a:endCxn id="75" idx="0"/>
-          </p:cNvCxnSpPr>
-          <p:nvPr/>
-        </p:nvCxnSpPr>
-        <p:spPr>
-          <a:xfrm rot="16200000" flipH="1">
-            <a:off x="5857744" y="2375244"/>
-            <a:ext cx="348142" cy="911977"/>
-          </a:xfrm>
-          <a:prstGeom prst="bentConnector3">
-            <a:avLst>
-              <a:gd name="adj1" fmla="val 50000"/>
-            </a:avLst>
-          </a:prstGeom>
-          <a:ln>
-            <a:tailEnd type="triangle"/>
-          </a:ln>
-        </p:spPr>
-        <p:style>
-          <a:lnRef idx="1">
-            <a:schemeClr val="dk1"/>
-          </a:lnRef>
-          <a:fillRef idx="0">
-            <a:schemeClr val="dk1"/>
-          </a:fillRef>
-          <a:effectRef idx="0">
-            <a:schemeClr val="dk1"/>
-          </a:effectRef>
-          <a:fontRef idx="minor">
-            <a:schemeClr val="tx1"/>
-          </a:fontRef>
-        </p:style>
-      </p:cxnSp>
-      <p:cxnSp>
-        <p:nvCxnSpPr>
-          <p:cNvPr id="94" name="Connector: Elbow 93">
-            <a:extLst>
-              <a:ext uri="{FF2B5EF4-FFF2-40B4-BE49-F238E27FC236}">
-                <a16:creationId xmlns:a16="http://schemas.microsoft.com/office/drawing/2014/main" id="{CD47C8A3-5272-4E30-BD99-409E842228D2}"/>
-              </a:ext>
-            </a:extLst>
-          </p:cNvPr>
-          <p:cNvCxnSpPr>
-            <a:cxnSpLocks/>
-            <a:stCxn id="9" idx="2"/>
-            <a:endCxn id="11" idx="0"/>
-          </p:cNvCxnSpPr>
-          <p:nvPr/>
-        </p:nvCxnSpPr>
-        <p:spPr>
-          <a:xfrm rot="5400000">
-            <a:off x="656195" y="3323829"/>
-            <a:ext cx="366941" cy="464415"/>
-          </a:xfrm>
-          <a:prstGeom prst="bentConnector3">
-            <a:avLst>
-              <a:gd name="adj1" fmla="val 50000"/>
-            </a:avLst>
-          </a:prstGeom>
-          <a:ln>
-            <a:tailEnd type="triangle"/>
-          </a:ln>
-        </p:spPr>
-        <p:style>
-          <a:lnRef idx="1">
-            <a:schemeClr val="dk1"/>
-          </a:lnRef>
-          <a:fillRef idx="0">
-            <a:schemeClr val="dk1"/>
-          </a:fillRef>
-          <a:effectRef idx="0">
-            <a:schemeClr val="dk1"/>
-          </a:effectRef>
-          <a:fontRef idx="minor">
-            <a:schemeClr val="tx1"/>
-          </a:fontRef>
-        </p:style>
-      </p:cxnSp>
-      <p:cxnSp>
-        <p:nvCxnSpPr>
-          <p:cNvPr id="95" name="Connector: Elbow 94">
-            <a:extLst>
-              <a:ext uri="{FF2B5EF4-FFF2-40B4-BE49-F238E27FC236}">
-                <a16:creationId xmlns:a16="http://schemas.microsoft.com/office/drawing/2014/main" id="{762D13C0-63F8-4FE9-9134-29B40E99EF64}"/>
-              </a:ext>
-            </a:extLst>
-          </p:cNvPr>
-          <p:cNvCxnSpPr>
-            <a:cxnSpLocks/>
-            <a:stCxn id="9" idx="2"/>
-            <a:endCxn id="12" idx="0"/>
-          </p:cNvCxnSpPr>
-          <p:nvPr/>
-        </p:nvCxnSpPr>
-        <p:spPr>
-          <a:xfrm rot="16200000" flipH="1">
-            <a:off x="1109392" y="3335046"/>
-            <a:ext cx="366941" cy="441980"/>
-          </a:xfrm>
-          <a:prstGeom prst="bentConnector3">
-            <a:avLst>
-              <a:gd name="adj1" fmla="val 50000"/>
-            </a:avLst>
-          </a:prstGeom>
-          <a:ln>
-            <a:tailEnd type="triangle"/>
-          </a:ln>
-        </p:spPr>
-        <p:style>
-          <a:lnRef idx="1">
-            <a:schemeClr val="dk1"/>
-          </a:lnRef>
-          <a:fillRef idx="0">
-            <a:schemeClr val="dk1"/>
-          </a:fillRef>
-          <a:effectRef idx="0">
-            <a:schemeClr val="dk1"/>
-          </a:effectRef>
-          <a:fontRef idx="minor">
-            <a:schemeClr val="tx1"/>
-          </a:fontRef>
-        </p:style>
-      </p:cxnSp>
-      <p:cxnSp>
-        <p:nvCxnSpPr>
-          <p:cNvPr id="100" name="Connector: Elbow 99">
-            <a:extLst>
-              <a:ext uri="{FF2B5EF4-FFF2-40B4-BE49-F238E27FC236}">
-                <a16:creationId xmlns:a16="http://schemas.microsoft.com/office/drawing/2014/main" id="{90EB1636-19F7-4B91-9D8F-5C32A28EAF8A}"/>
-              </a:ext>
-            </a:extLst>
-          </p:cNvPr>
-          <p:cNvCxnSpPr>
-            <a:cxnSpLocks/>
-            <a:stCxn id="10" idx="2"/>
-            <a:endCxn id="62" idx="0"/>
-          </p:cNvCxnSpPr>
-          <p:nvPr/>
-        </p:nvCxnSpPr>
-        <p:spPr>
-          <a:xfrm rot="5400000">
-            <a:off x="2468986" y="3323829"/>
-            <a:ext cx="366940" cy="464417"/>
-          </a:xfrm>
-          <a:prstGeom prst="bentConnector3">
-            <a:avLst>
-              <a:gd name="adj1" fmla="val 50000"/>
-            </a:avLst>
-          </a:prstGeom>
-          <a:ln>
-            <a:tailEnd type="triangle"/>
-          </a:ln>
-        </p:spPr>
-        <p:style>
-          <a:lnRef idx="1">
-            <a:schemeClr val="dk1"/>
-          </a:lnRef>
-          <a:fillRef idx="0">
-            <a:schemeClr val="dk1"/>
-          </a:fillRef>
-          <a:effectRef idx="0">
-            <a:schemeClr val="dk1"/>
-          </a:effectRef>
-          <a:fontRef idx="minor">
-            <a:schemeClr val="tx1"/>
-          </a:fontRef>
-        </p:style>
-      </p:cxnSp>
-      <p:cxnSp>
-        <p:nvCxnSpPr>
-          <p:cNvPr id="103" name="Connector: Elbow 102">
-            <a:extLst>
-              <a:ext uri="{FF2B5EF4-FFF2-40B4-BE49-F238E27FC236}">
-                <a16:creationId xmlns:a16="http://schemas.microsoft.com/office/drawing/2014/main" id="{9CEDF1C1-61F1-4458-A047-DBCD31816144}"/>
-              </a:ext>
-            </a:extLst>
-          </p:cNvPr>
-          <p:cNvCxnSpPr>
-            <a:cxnSpLocks/>
-            <a:stCxn id="10" idx="2"/>
-            <a:endCxn id="63" idx="0"/>
-          </p:cNvCxnSpPr>
-          <p:nvPr/>
-        </p:nvCxnSpPr>
-        <p:spPr>
-          <a:xfrm rot="16200000" flipH="1">
-            <a:off x="2922183" y="3335048"/>
-            <a:ext cx="366940" cy="441978"/>
-          </a:xfrm>
-          <a:prstGeom prst="bentConnector3">
-            <a:avLst>
-              <a:gd name="adj1" fmla="val 50000"/>
-            </a:avLst>
-          </a:prstGeom>
-          <a:ln>
-            <a:tailEnd type="triangle"/>
-          </a:ln>
-        </p:spPr>
-        <p:style>
-          <a:lnRef idx="1">
-            <a:schemeClr val="dk1"/>
-          </a:lnRef>
-          <a:fillRef idx="0">
-            <a:schemeClr val="dk1"/>
-          </a:fillRef>
-          <a:effectRef idx="0">
-            <a:schemeClr val="dk1"/>
-          </a:effectRef>
-          <a:fontRef idx="minor">
-            <a:schemeClr val="tx1"/>
-          </a:fontRef>
-        </p:style>
-      </p:cxnSp>
-      <p:cxnSp>
-        <p:nvCxnSpPr>
-          <p:cNvPr id="106" name="Connector: Elbow 105">
-            <a:extLst>
-              <a:ext uri="{FF2B5EF4-FFF2-40B4-BE49-F238E27FC236}">
-                <a16:creationId xmlns:a16="http://schemas.microsoft.com/office/drawing/2014/main" id="{63878E95-CE7B-40E5-A1E3-3B4D6368F325}"/>
-              </a:ext>
-            </a:extLst>
-          </p:cNvPr>
-          <p:cNvCxnSpPr>
-            <a:cxnSpLocks/>
-            <a:stCxn id="10" idx="2"/>
-            <a:endCxn id="63" idx="0"/>
-          </p:cNvCxnSpPr>
-          <p:nvPr/>
-        </p:nvCxnSpPr>
-        <p:spPr>
-          <a:xfrm rot="16200000" flipH="1">
-            <a:off x="2922183" y="3335048"/>
-            <a:ext cx="366940" cy="441978"/>
-          </a:xfrm>
-          <a:prstGeom prst="bentConnector3">
-            <a:avLst>
-              <a:gd name="adj1" fmla="val 50000"/>
-            </a:avLst>
-          </a:prstGeom>
-          <a:ln>
-            <a:tailEnd type="triangle"/>
-          </a:ln>
-        </p:spPr>
-        <p:style>
-          <a:lnRef idx="1">
-            <a:schemeClr val="dk1"/>
-          </a:lnRef>
-          <a:fillRef idx="0">
-            <a:schemeClr val="dk1"/>
-          </a:fillRef>
-          <a:effectRef idx="0">
-            <a:schemeClr val="dk1"/>
-          </a:effectRef>
-          <a:fontRef idx="minor">
-            <a:schemeClr val="tx1"/>
-          </a:fontRef>
-        </p:style>
-      </p:cxnSp>
-      <p:cxnSp>
-        <p:nvCxnSpPr>
-          <p:cNvPr id="117" name="Connector: Elbow 116">
-            <a:extLst>
-              <a:ext uri="{FF2B5EF4-FFF2-40B4-BE49-F238E27FC236}">
-                <a16:creationId xmlns:a16="http://schemas.microsoft.com/office/drawing/2014/main" id="{D1F963E6-5F97-4C2E-99E2-E0068FCFDA92}"/>
-              </a:ext>
-            </a:extLst>
-          </p:cNvPr>
-          <p:cNvCxnSpPr>
-            <a:cxnSpLocks/>
-            <a:stCxn id="74" idx="2"/>
-            <a:endCxn id="76" idx="0"/>
-          </p:cNvCxnSpPr>
-          <p:nvPr/>
-        </p:nvCxnSpPr>
-        <p:spPr>
-          <a:xfrm rot="5400000">
-            <a:off x="4267208" y="3338394"/>
-            <a:ext cx="366880" cy="435221"/>
-          </a:xfrm>
-          <a:prstGeom prst="bentConnector3">
-            <a:avLst>
-              <a:gd name="adj1" fmla="val 50000"/>
-            </a:avLst>
-          </a:prstGeom>
-          <a:ln>
-            <a:tailEnd type="triangle"/>
-          </a:ln>
-        </p:spPr>
-        <p:style>
-          <a:lnRef idx="1">
-            <a:schemeClr val="dk1"/>
-          </a:lnRef>
-          <a:fillRef idx="0">
-            <a:schemeClr val="dk1"/>
-          </a:fillRef>
-          <a:effectRef idx="0">
-            <a:schemeClr val="dk1"/>
-          </a:effectRef>
-          <a:fontRef idx="minor">
-            <a:schemeClr val="tx1"/>
-          </a:fontRef>
-        </p:style>
-      </p:cxnSp>
-      <p:cxnSp>
-        <p:nvCxnSpPr>
-          <p:cNvPr id="120" name="Connector: Elbow 119">
-            <a:extLst>
-              <a:ext uri="{FF2B5EF4-FFF2-40B4-BE49-F238E27FC236}">
-                <a16:creationId xmlns:a16="http://schemas.microsoft.com/office/drawing/2014/main" id="{1BC28EB4-7C0B-4292-BE32-6FCDA85C1081}"/>
-              </a:ext>
-            </a:extLst>
-          </p:cNvPr>
-          <p:cNvCxnSpPr>
-            <a:cxnSpLocks/>
-            <a:stCxn id="74" idx="2"/>
-            <a:endCxn id="77" idx="0"/>
-          </p:cNvCxnSpPr>
-          <p:nvPr/>
-        </p:nvCxnSpPr>
-        <p:spPr>
-          <a:xfrm rot="16200000" flipH="1">
-            <a:off x="4720405" y="3320417"/>
-            <a:ext cx="366880" cy="471174"/>
-          </a:xfrm>
-          <a:prstGeom prst="bentConnector3">
-            <a:avLst>
-              <a:gd name="adj1" fmla="val 50000"/>
-            </a:avLst>
-          </a:prstGeom>
-          <a:ln>
-            <a:tailEnd type="triangle"/>
-          </a:ln>
-        </p:spPr>
-        <p:style>
-          <a:lnRef idx="1">
-            <a:schemeClr val="dk1"/>
-          </a:lnRef>
-          <a:fillRef idx="0">
-            <a:schemeClr val="dk1"/>
-          </a:fillRef>
-          <a:effectRef idx="0">
-            <a:schemeClr val="dk1"/>
-          </a:effectRef>
-          <a:fontRef idx="minor">
-            <a:schemeClr val="tx1"/>
-          </a:fontRef>
-        </p:style>
-      </p:cxnSp>
-      <p:cxnSp>
-        <p:nvCxnSpPr>
-          <p:cNvPr id="123" name="Connector: Elbow 122">
-            <a:extLst>
-              <a:ext uri="{FF2B5EF4-FFF2-40B4-BE49-F238E27FC236}">
-                <a16:creationId xmlns:a16="http://schemas.microsoft.com/office/drawing/2014/main" id="{97C7CFD3-1FA4-415A-9AFF-4775E4B44516}"/>
-              </a:ext>
-            </a:extLst>
-          </p:cNvPr>
-          <p:cNvCxnSpPr>
-            <a:cxnSpLocks/>
-            <a:stCxn id="75" idx="2"/>
-            <a:endCxn id="78" idx="0"/>
-          </p:cNvCxnSpPr>
-          <p:nvPr/>
-        </p:nvCxnSpPr>
-        <p:spPr>
-          <a:xfrm rot="5400000">
-            <a:off x="6083377" y="3335016"/>
-            <a:ext cx="366879" cy="441977"/>
-          </a:xfrm>
-          <a:prstGeom prst="bentConnector3">
-            <a:avLst>
-              <a:gd name="adj1" fmla="val 50000"/>
-            </a:avLst>
-          </a:prstGeom>
-          <a:ln>
-            <a:tailEnd type="triangle"/>
-          </a:ln>
-        </p:spPr>
-        <p:style>
-          <a:lnRef idx="1">
-            <a:schemeClr val="dk1"/>
-          </a:lnRef>
-          <a:fillRef idx="0">
-            <a:schemeClr val="dk1"/>
-          </a:fillRef>
-          <a:effectRef idx="0">
-            <a:schemeClr val="dk1"/>
-          </a:effectRef>
-          <a:fontRef idx="minor">
-            <a:schemeClr val="tx1"/>
-          </a:fontRef>
-        </p:style>
-      </p:cxnSp>
-      <p:cxnSp>
-        <p:nvCxnSpPr>
-          <p:cNvPr id="126" name="Connector: Elbow 125">
-            <a:extLst>
-              <a:ext uri="{FF2B5EF4-FFF2-40B4-BE49-F238E27FC236}">
-                <a16:creationId xmlns:a16="http://schemas.microsoft.com/office/drawing/2014/main" id="{74A9901C-0C8C-4401-806C-A1EC16395B09}"/>
-              </a:ext>
-            </a:extLst>
-          </p:cNvPr>
-          <p:cNvCxnSpPr>
-            <a:cxnSpLocks/>
-            <a:stCxn id="75" idx="2"/>
-            <a:endCxn id="79" idx="0"/>
-          </p:cNvCxnSpPr>
-          <p:nvPr/>
-        </p:nvCxnSpPr>
-        <p:spPr>
-          <a:xfrm rot="16200000" flipH="1">
-            <a:off x="6536574" y="3323794"/>
-            <a:ext cx="366879" cy="464419"/>
-          </a:xfrm>
-          <a:prstGeom prst="bentConnector3">
-            <a:avLst>
-              <a:gd name="adj1" fmla="val 50000"/>
-            </a:avLst>
-          </a:prstGeom>
-          <a:ln>
-            <a:tailEnd type="triangle"/>
-          </a:ln>
-        </p:spPr>
-        <p:style>
-          <a:lnRef idx="1">
-            <a:schemeClr val="dk1"/>
-          </a:lnRef>
-          <a:fillRef idx="0">
-            <a:schemeClr val="dk1"/>
-          </a:fillRef>
-          <a:effectRef idx="0">
-            <a:schemeClr val="dk1"/>
-          </a:effectRef>
-          <a:fontRef idx="minor">
-            <a:schemeClr val="tx1"/>
-          </a:fontRef>
-        </p:style>
-      </p:cxnSp>
-      <p:cxnSp>
-        <p:nvCxnSpPr>
-          <p:cNvPr id="129" name="Connector: Elbow 128">
-            <a:extLst>
-              <a:ext uri="{FF2B5EF4-FFF2-40B4-BE49-F238E27FC236}">
-                <a16:creationId xmlns:a16="http://schemas.microsoft.com/office/drawing/2014/main" id="{0F06F22E-A375-40B3-883E-91534348DE21}"/>
-              </a:ext>
-            </a:extLst>
-          </p:cNvPr>
-          <p:cNvCxnSpPr>
-            <a:cxnSpLocks/>
-            <a:stCxn id="74" idx="2"/>
-            <a:endCxn id="76" idx="0"/>
-          </p:cNvCxnSpPr>
-          <p:nvPr/>
-        </p:nvCxnSpPr>
-        <p:spPr>
-          <a:xfrm rot="5400000">
-            <a:off x="4267208" y="3338394"/>
-            <a:ext cx="366880" cy="435221"/>
-          </a:xfrm>
-          <a:prstGeom prst="bentConnector3">
-            <a:avLst>
-              <a:gd name="adj1" fmla="val 50000"/>
-            </a:avLst>
-          </a:prstGeom>
-          <a:ln>
-            <a:tailEnd type="triangle"/>
-          </a:ln>
-        </p:spPr>
-        <p:style>
-          <a:lnRef idx="1">
-            <a:schemeClr val="dk1"/>
-          </a:lnRef>
-          <a:fillRef idx="0">
-            <a:schemeClr val="dk1"/>
-          </a:fillRef>
-          <a:effectRef idx="0">
+          <a:effectRef idx="1">
             <a:schemeClr val="dk1"/>
           </a:effectRef>
           <a:fontRef idx="minor">
